--- a/lect-3/lect-3.pptx
+++ b/lect-3/lect-3.pptx
@@ -5,7 +5,7 @@
     <p:sldMasterId id="2147483648" r:id="rId1"/>
   </p:sldMasterIdLst>
   <p:notesMasterIdLst>
-    <p:notesMasterId r:id="rId15"/>
+    <p:notesMasterId r:id="rId18"/>
   </p:notesMasterIdLst>
   <p:sldIdLst>
     <p:sldId id="256" r:id="rId2"/>
@@ -20,7 +20,10 @@
     <p:sldId id="313" r:id="rId11"/>
     <p:sldId id="314" r:id="rId12"/>
     <p:sldId id="315" r:id="rId13"/>
-    <p:sldId id="316" r:id="rId14"/>
+    <p:sldId id="317" r:id="rId14"/>
+    <p:sldId id="318" r:id="rId15"/>
+    <p:sldId id="319" r:id="rId16"/>
+    <p:sldId id="316" r:id="rId17"/>
   </p:sldIdLst>
   <p:sldSz cx="12192000" cy="6858000"/>
   <p:notesSz cx="6858000" cy="9144000"/>
@@ -209,7 +212,7 @@
           <a:p>
             <a:fld id="{0C5227E2-BE0E-4F40-B715-E0E4D778FBB9}" type="datetimeFigureOut">
               <a:rPr kumimoji="1" lang="zh-CN" altLang="en-US" smtClean="0"/>
-              <a:t>2019/2/7</a:t>
+              <a:t>2019-2-13</a:t>
             </a:fld>
             <a:endParaRPr kumimoji="1" lang="zh-CN" altLang="en-US"/>
           </a:p>
@@ -647,7 +650,7 @@
             <a:fld id="{87DE6118-2437-4B30-8E3C-4D2BE6020583}" type="datetimeFigureOut">
               <a:rPr lang="en-US" dirty="0"/>
               <a:pPr/>
-              <a:t>2/7/19</a:t>
+              <a:t>2/13/2019</a:t>
             </a:fld>
             <a:endParaRPr lang="en-US" dirty="0"/>
           </a:p>
@@ -973,7 +976,7 @@
           <a:p>
             <a:fld id="{87DE6118-2437-4B30-8E3C-4D2BE6020583}" type="datetimeFigureOut">
               <a:rPr lang="en-US" dirty="0"/>
-              <a:t>2/7/19</a:t>
+              <a:t>2/13/2019</a:t>
             </a:fld>
             <a:endParaRPr lang="en-US" dirty="0"/>
           </a:p>
@@ -1148,7 +1151,7 @@
           <a:p>
             <a:fld id="{87DE6118-2437-4B30-8E3C-4D2BE6020583}" type="datetimeFigureOut">
               <a:rPr lang="en-US" dirty="0"/>
-              <a:t>2/7/19</a:t>
+              <a:t>2/13/2019</a:t>
             </a:fld>
             <a:endParaRPr lang="en-US" dirty="0"/>
           </a:p>
@@ -1341,7 +1344,7 @@
           <a:p>
             <a:fld id="{87DE6118-2437-4B30-8E3C-4D2BE6020583}" type="datetimeFigureOut">
               <a:rPr lang="en-US" dirty="0"/>
-              <a:t>2/7/19</a:t>
+              <a:t>2/13/2019</a:t>
             </a:fld>
             <a:endParaRPr lang="en-US" dirty="0"/>
           </a:p>
@@ -1614,7 +1617,7 @@
             <a:fld id="{87DE6118-2437-4B30-8E3C-4D2BE6020583}" type="datetimeFigureOut">
               <a:rPr lang="en-US" dirty="0"/>
               <a:pPr/>
-              <a:t>2/7/19</a:t>
+              <a:t>2/13/2019</a:t>
             </a:fld>
             <a:endParaRPr lang="en-US" dirty="0"/>
           </a:p>
@@ -2004,7 +2007,7 @@
           <a:p>
             <a:fld id="{87DE6118-2437-4B30-8E3C-4D2BE6020583}" type="datetimeFigureOut">
               <a:rPr lang="en-US" dirty="0"/>
-              <a:t>2/7/19</a:t>
+              <a:t>2/13/2019</a:t>
             </a:fld>
             <a:endParaRPr lang="en-US" dirty="0"/>
           </a:p>
@@ -2476,7 +2479,7 @@
           <a:p>
             <a:fld id="{87DE6118-2437-4B30-8E3C-4D2BE6020583}" type="datetimeFigureOut">
               <a:rPr lang="en-US" dirty="0"/>
-              <a:t>2/7/19</a:t>
+              <a:t>2/13/2019</a:t>
             </a:fld>
             <a:endParaRPr lang="en-US" dirty="0"/>
           </a:p>
@@ -2589,7 +2592,7 @@
           <a:p>
             <a:fld id="{87DE6118-2437-4B30-8E3C-4D2BE6020583}" type="datetimeFigureOut">
               <a:rPr lang="en-US" dirty="0"/>
-              <a:t>2/7/19</a:t>
+              <a:t>2/13/2019</a:t>
             </a:fld>
             <a:endParaRPr lang="en-US" dirty="0"/>
           </a:p>
@@ -2679,7 +2682,7 @@
           <a:p>
             <a:fld id="{87DE6118-2437-4B30-8E3C-4D2BE6020583}" type="datetimeFigureOut">
               <a:rPr lang="en-US" dirty="0"/>
-              <a:t>2/7/19</a:t>
+              <a:t>2/13/2019</a:t>
             </a:fld>
             <a:endParaRPr lang="en-US" dirty="0"/>
           </a:p>
@@ -3021,7 +3024,7 @@
             <a:fld id="{87DE6118-2437-4B30-8E3C-4D2BE6020583}" type="datetimeFigureOut">
               <a:rPr lang="en-US" dirty="0"/>
               <a:pPr/>
-              <a:t>2/7/19</a:t>
+              <a:t>2/13/2019</a:t>
             </a:fld>
             <a:endParaRPr lang="en-US" dirty="0"/>
           </a:p>
@@ -3406,7 +3409,7 @@
             <a:fld id="{87DE6118-2437-4B30-8E3C-4D2BE6020583}" type="datetimeFigureOut">
               <a:rPr lang="en-US" dirty="0"/>
               <a:pPr/>
-              <a:t>2/7/19</a:t>
+              <a:t>2/13/2019</a:t>
             </a:fld>
             <a:endParaRPr lang="en-US" dirty="0"/>
           </a:p>
@@ -3684,7 +3687,7 @@
             <a:fld id="{87DE6118-2437-4B30-8E3C-4D2BE6020583}" type="datetimeFigureOut">
               <a:rPr lang="en-US" smtClean="0"/>
               <a:pPr/>
-              <a:t>2/7/19</a:t>
+              <a:t>2/13/2019</a:t>
             </a:fld>
             <a:endParaRPr lang="en-US" dirty="0"/>
           </a:p>
@@ -4956,6 +4959,806 @@
 </file>
 
 <file path=ppt/slides/slide13.xml><?xml version="1.0" encoding="utf-8"?>
+<p:sld xmlns:a="http://schemas.openxmlformats.org/drawingml/2006/main" xmlns:r="http://schemas.openxmlformats.org/officeDocument/2006/relationships" xmlns:p="http://schemas.openxmlformats.org/presentationml/2006/main">
+  <p:cSld>
+    <p:spTree>
+      <p:nvGrpSpPr>
+        <p:cNvPr id="1" name=""/>
+        <p:cNvGrpSpPr/>
+        <p:nvPr/>
+      </p:nvGrpSpPr>
+      <p:grpSpPr>
+        <a:xfrm>
+          <a:off x="0" y="0"/>
+          <a:ext cx="0" cy="0"/>
+          <a:chOff x="0" y="0"/>
+          <a:chExt cx="0" cy="0"/>
+        </a:xfrm>
+      </p:grpSpPr>
+      <p:sp>
+        <p:nvSpPr>
+          <p:cNvPr id="2" name="标题 1"/>
+          <p:cNvSpPr>
+            <a:spLocks noGrp="1"/>
+          </p:cNvSpPr>
+          <p:nvPr>
+            <p:ph type="title"/>
+          </p:nvPr>
+        </p:nvSpPr>
+        <p:spPr/>
+        <p:txBody>
+          <a:bodyPr/>
+          <a:lstStyle/>
+          <a:p>
+            <a:r>
+              <a:rPr lang="zh-CN" altLang="en-US" dirty="0" smtClean="0"/>
+              <a:t>习题</a:t>
+            </a:r>
+            <a:r>
+              <a:rPr lang="en-US" altLang="zh-CN" dirty="0" smtClean="0"/>
+              <a:t>8</a:t>
+            </a:r>
+            <a:endParaRPr lang="zh-CN" altLang="en-US" dirty="0"/>
+          </a:p>
+        </p:txBody>
+      </p:sp>
+      <p:sp>
+        <p:nvSpPr>
+          <p:cNvPr id="3" name="内容占位符 2"/>
+          <p:cNvSpPr>
+            <a:spLocks noGrp="1"/>
+          </p:cNvSpPr>
+          <p:nvPr>
+            <p:ph idx="1"/>
+          </p:nvPr>
+        </p:nvSpPr>
+        <p:spPr/>
+        <p:txBody>
+          <a:bodyPr/>
+          <a:lstStyle/>
+          <a:p>
+            <a:r>
+              <a:rPr lang="zh-CN" altLang="en-US" dirty="0" smtClean="0"/>
+              <a:t>某制糖公司的年报提到，美国人每年糖的平均消费为</a:t>
+            </a:r>
+            <a:r>
+              <a:rPr lang="en-US" altLang="zh-CN" dirty="0" smtClean="0"/>
+              <a:t>100</a:t>
+            </a:r>
+            <a:r>
+              <a:rPr lang="zh-CN" altLang="en-US" dirty="0" smtClean="0"/>
+              <a:t>磅，内分泌医学会就此做了为期一年的研究，追踪随机抽取的</a:t>
+            </a:r>
+            <a:r>
+              <a:rPr lang="en-US" altLang="zh-CN" dirty="0" smtClean="0"/>
+              <a:t>25</a:t>
+            </a:r>
+            <a:r>
+              <a:rPr lang="zh-CN" altLang="en-US" dirty="0" smtClean="0"/>
+              <a:t>个人的食糖消费量，样本平均值是</a:t>
+            </a:r>
+            <a:r>
+              <a:rPr lang="en-US" altLang="zh-CN" dirty="0" smtClean="0"/>
+              <a:t>93</a:t>
+            </a:r>
+            <a:r>
+              <a:rPr lang="zh-CN" altLang="en-US" dirty="0" smtClean="0"/>
+              <a:t>磅，标准差是</a:t>
+            </a:r>
+            <a:r>
+              <a:rPr lang="en-US" altLang="zh-CN" dirty="0" smtClean="0"/>
+              <a:t>4</a:t>
+            </a:r>
+            <a:r>
+              <a:rPr lang="zh-CN" altLang="en-US" dirty="0" smtClean="0"/>
+              <a:t>磅，那么现在能否在</a:t>
+            </a:r>
+            <a:r>
+              <a:rPr lang="en-US" altLang="zh-CN" dirty="0" smtClean="0"/>
+              <a:t>0.05</a:t>
+            </a:r>
+            <a:r>
+              <a:rPr lang="zh-CN" altLang="en-US" dirty="0" smtClean="0"/>
+              <a:t>的显著性水平上拒绝制糖公司的年报？</a:t>
+            </a:r>
+            <a:endParaRPr lang="zh-CN" altLang="en-US" dirty="0"/>
+          </a:p>
+        </p:txBody>
+      </p:sp>
+    </p:spTree>
+    <p:extLst>
+      <p:ext uri="{BB962C8B-B14F-4D97-AF65-F5344CB8AC3E}">
+        <p14:creationId xmlns:p14="http://schemas.microsoft.com/office/powerpoint/2010/main" val="3183020701"/>
+      </p:ext>
+    </p:extLst>
+  </p:cSld>
+  <p:clrMapOvr>
+    <a:masterClrMapping/>
+  </p:clrMapOvr>
+</p:sld>
+</file>
+
+<file path=ppt/slides/slide14.xml><?xml version="1.0" encoding="utf-8"?>
+<p:sld xmlns:a="http://schemas.openxmlformats.org/drawingml/2006/main" xmlns:r="http://schemas.openxmlformats.org/officeDocument/2006/relationships" xmlns:p="http://schemas.openxmlformats.org/presentationml/2006/main">
+  <p:cSld>
+    <p:spTree>
+      <p:nvGrpSpPr>
+        <p:cNvPr id="1" name=""/>
+        <p:cNvGrpSpPr/>
+        <p:nvPr/>
+      </p:nvGrpSpPr>
+      <p:grpSpPr>
+        <a:xfrm>
+          <a:off x="0" y="0"/>
+          <a:ext cx="0" cy="0"/>
+          <a:chOff x="0" y="0"/>
+          <a:chExt cx="0" cy="0"/>
+        </a:xfrm>
+      </p:grpSpPr>
+      <p:sp>
+        <p:nvSpPr>
+          <p:cNvPr id="2" name="标题 1"/>
+          <p:cNvSpPr>
+            <a:spLocks noGrp="1"/>
+          </p:cNvSpPr>
+          <p:nvPr>
+            <p:ph type="title"/>
+          </p:nvPr>
+        </p:nvSpPr>
+        <p:spPr/>
+        <p:txBody>
+          <a:bodyPr/>
+          <a:lstStyle/>
+          <a:p>
+            <a:r>
+              <a:rPr lang="zh-CN" altLang="en-US" dirty="0" smtClean="0"/>
+              <a:t>习题</a:t>
+            </a:r>
+            <a:r>
+              <a:rPr lang="en-US" altLang="zh-CN" dirty="0" smtClean="0"/>
+              <a:t>9</a:t>
+            </a:r>
+            <a:endParaRPr lang="zh-CN" altLang="en-US" dirty="0"/>
+          </a:p>
+        </p:txBody>
+      </p:sp>
+      <p:sp>
+        <p:nvSpPr>
+          <p:cNvPr id="3" name="内容占位符 2"/>
+          <p:cNvSpPr>
+            <a:spLocks noGrp="1"/>
+          </p:cNvSpPr>
+          <p:nvPr>
+            <p:ph idx="1"/>
+          </p:nvPr>
+        </p:nvSpPr>
+        <p:spPr/>
+        <p:txBody>
+          <a:bodyPr/>
+          <a:lstStyle/>
+          <a:p>
+            <a:r>
+              <a:rPr lang="zh-CN" altLang="en-US" dirty="0" smtClean="0"/>
+              <a:t>某个减肥机构公布的报告称，与女性相比，男性超重的程度更严重，根据下面的数据，决定接受还是否定这一判断</a:t>
+            </a:r>
+            <a:endParaRPr lang="en-US" altLang="zh-CN" dirty="0" smtClean="0"/>
+          </a:p>
+          <a:p>
+            <a:r>
+              <a:rPr lang="zh-CN" altLang="en-US" dirty="0" smtClean="0"/>
+              <a:t>男性：</a:t>
+            </a:r>
+            <a:r>
+              <a:rPr lang="en-US" altLang="zh-CN" dirty="0" smtClean="0"/>
+              <a:t>N1=9</a:t>
+            </a:r>
+            <a:r>
+              <a:rPr lang="zh-CN" altLang="en-US" dirty="0" smtClean="0"/>
+              <a:t>，</a:t>
+            </a:r>
+            <a:r>
+              <a:rPr lang="en-US" altLang="zh-CN" dirty="0" smtClean="0"/>
+              <a:t>bar_{X1}=23,s</a:t>
+            </a:r>
+            <a:r>
+              <a:rPr lang="en-US" altLang="zh-CN" baseline="-25000" dirty="0" smtClean="0"/>
+              <a:t>1</a:t>
+            </a:r>
+            <a:r>
+              <a:rPr lang="en-US" altLang="zh-CN" baseline="30000" dirty="0" smtClean="0"/>
+              <a:t>2</a:t>
+            </a:r>
+            <a:r>
+              <a:rPr lang="en-US" altLang="zh-CN" dirty="0" smtClean="0"/>
+              <a:t>=16</a:t>
+            </a:r>
+          </a:p>
+          <a:p>
+            <a:r>
+              <a:rPr lang="zh-CN" altLang="en-US" dirty="0"/>
+              <a:t>女性</a:t>
+            </a:r>
+            <a:r>
+              <a:rPr lang="zh-CN" altLang="en-US" dirty="0" smtClean="0"/>
+              <a:t>：</a:t>
+            </a:r>
+            <a:r>
+              <a:rPr lang="en-US" altLang="zh-CN" dirty="0" smtClean="0"/>
+              <a:t>N2=6</a:t>
+            </a:r>
+            <a:r>
+              <a:rPr lang="zh-CN" altLang="en-US" dirty="0" smtClean="0"/>
+              <a:t>，</a:t>
+            </a:r>
+            <a:r>
+              <a:rPr lang="en-US" altLang="zh-CN" dirty="0"/>
+              <a:t>bar_{</a:t>
+            </a:r>
+            <a:r>
+              <a:rPr lang="en-US" altLang="zh-CN" dirty="0" smtClean="0"/>
+              <a:t>X2}=18,s2</a:t>
+            </a:r>
+            <a:r>
+              <a:rPr lang="en-US" altLang="zh-CN" baseline="30000" dirty="0" smtClean="0"/>
+              <a:t>2</a:t>
+            </a:r>
+            <a:r>
+              <a:rPr lang="en-US" altLang="zh-CN" dirty="0" smtClean="0"/>
+              <a:t>=36</a:t>
+            </a:r>
+            <a:endParaRPr lang="en-US" altLang="zh-CN" dirty="0"/>
+          </a:p>
+          <a:p>
+            <a:endParaRPr lang="en-US" altLang="zh-CN" dirty="0" smtClean="0"/>
+          </a:p>
+        </p:txBody>
+      </p:sp>
+    </p:spTree>
+    <p:extLst>
+      <p:ext uri="{BB962C8B-B14F-4D97-AF65-F5344CB8AC3E}">
+        <p14:creationId xmlns:p14="http://schemas.microsoft.com/office/powerpoint/2010/main" val="971799698"/>
+      </p:ext>
+    </p:extLst>
+  </p:cSld>
+  <p:clrMapOvr>
+    <a:masterClrMapping/>
+  </p:clrMapOvr>
+</p:sld>
+</file>
+
+<file path=ppt/slides/slide15.xml><?xml version="1.0" encoding="utf-8"?>
+<p:sld xmlns:a="http://schemas.openxmlformats.org/drawingml/2006/main" xmlns:r="http://schemas.openxmlformats.org/officeDocument/2006/relationships" xmlns:p="http://schemas.openxmlformats.org/presentationml/2006/main">
+  <p:cSld>
+    <p:spTree>
+      <p:nvGrpSpPr>
+        <p:cNvPr id="1" name=""/>
+        <p:cNvGrpSpPr/>
+        <p:nvPr/>
+      </p:nvGrpSpPr>
+      <p:grpSpPr>
+        <a:xfrm>
+          <a:off x="0" y="0"/>
+          <a:ext cx="0" cy="0"/>
+          <a:chOff x="0" y="0"/>
+          <a:chExt cx="0" cy="0"/>
+        </a:xfrm>
+      </p:grpSpPr>
+      <p:sp>
+        <p:nvSpPr>
+          <p:cNvPr id="2" name="标题 1"/>
+          <p:cNvSpPr>
+            <a:spLocks noGrp="1"/>
+          </p:cNvSpPr>
+          <p:nvPr>
+            <p:ph type="title"/>
+          </p:nvPr>
+        </p:nvSpPr>
+        <p:spPr/>
+        <p:txBody>
+          <a:bodyPr/>
+          <a:lstStyle/>
+          <a:p>
+            <a:r>
+              <a:rPr lang="zh-CN" altLang="en-US" dirty="0" smtClean="0"/>
+              <a:t>习题</a:t>
+            </a:r>
+            <a:r>
+              <a:rPr lang="en-US" altLang="zh-CN" dirty="0" smtClean="0"/>
+              <a:t>10</a:t>
+            </a:r>
+            <a:endParaRPr lang="zh-CN" altLang="en-US" dirty="0"/>
+          </a:p>
+        </p:txBody>
+      </p:sp>
+      <p:graphicFrame>
+        <p:nvGraphicFramePr>
+          <p:cNvPr id="5" name="内容占位符 4"/>
+          <p:cNvGraphicFramePr>
+            <a:graphicFrameLocks noGrp="1"/>
+          </p:cNvGraphicFramePr>
+          <p:nvPr>
+            <p:ph idx="1"/>
+            <p:extLst>
+              <p:ext uri="{D42A27DB-BD31-4B8C-83A1-F6EECF244321}">
+                <p14:modId xmlns:p14="http://schemas.microsoft.com/office/powerpoint/2010/main" val="3792719151"/>
+              </p:ext>
+            </p:extLst>
+          </p:nvPr>
+        </p:nvGraphicFramePr>
+        <p:xfrm>
+          <a:off x="1371600" y="1730375"/>
+          <a:ext cx="6709410" cy="4663440"/>
+        </p:xfrm>
+        <a:graphic>
+          <a:graphicData uri="http://schemas.openxmlformats.org/drawingml/2006/table">
+            <a:tbl>
+              <a:tblPr firstRow="1" bandRow="1">
+                <a:tableStyleId>{5C22544A-7EE6-4342-B048-85BDC9FD1C3A}</a:tableStyleId>
+              </a:tblPr>
+              <a:tblGrid>
+                <a:gridCol w="3354705"/>
+                <a:gridCol w="3354705"/>
+              </a:tblGrid>
+              <a:tr h="370840">
+                <a:tc>
+                  <a:txBody>
+                    <a:bodyPr/>
+                    <a:lstStyle/>
+                    <a:p>
+                      <a:pPr algn="ctr"/>
+                      <a:r>
+                        <a:rPr lang="zh-CN" altLang="en-US" sz="2800" dirty="0" smtClean="0">
+                          <a:latin typeface="宋体" panose="02010600030101010101" pitchFamily="2" charset="-122"/>
+                          <a:ea typeface="宋体" panose="02010600030101010101" pitchFamily="2" charset="-122"/>
+                        </a:rPr>
+                        <a:t>学习前</a:t>
+                      </a:r>
+                      <a:endParaRPr lang="zh-CN" altLang="en-US" sz="2800" dirty="0">
+                        <a:latin typeface="宋体" panose="02010600030101010101" pitchFamily="2" charset="-122"/>
+                        <a:ea typeface="宋体" panose="02010600030101010101" pitchFamily="2" charset="-122"/>
+                      </a:endParaRPr>
+                    </a:p>
+                  </a:txBody>
+                  <a:tcPr/>
+                </a:tc>
+                <a:tc>
+                  <a:txBody>
+                    <a:bodyPr/>
+                    <a:lstStyle/>
+                    <a:p>
+                      <a:pPr algn="ctr"/>
+                      <a:r>
+                        <a:rPr lang="zh-CN" altLang="en-US" sz="2800" dirty="0" smtClean="0">
+                          <a:latin typeface="宋体" panose="02010600030101010101" pitchFamily="2" charset="-122"/>
+                          <a:ea typeface="宋体" panose="02010600030101010101" pitchFamily="2" charset="-122"/>
+                        </a:rPr>
+                        <a:t>学习后</a:t>
+                      </a:r>
+                      <a:endParaRPr lang="zh-CN" altLang="en-US" sz="2800" dirty="0">
+                        <a:latin typeface="宋体" panose="02010600030101010101" pitchFamily="2" charset="-122"/>
+                        <a:ea typeface="宋体" panose="02010600030101010101" pitchFamily="2" charset="-122"/>
+                      </a:endParaRPr>
+                    </a:p>
+                  </a:txBody>
+                  <a:tcPr/>
+                </a:tc>
+              </a:tr>
+              <a:tr h="370840">
+                <a:tc>
+                  <a:txBody>
+                    <a:bodyPr/>
+                    <a:lstStyle/>
+                    <a:p>
+                      <a:pPr algn="ctr"/>
+                      <a:r>
+                        <a:rPr lang="en-US" altLang="zh-CN" sz="2800" dirty="0" smtClean="0">
+                          <a:latin typeface="宋体" panose="02010600030101010101" pitchFamily="2" charset="-122"/>
+                          <a:ea typeface="宋体" panose="02010600030101010101" pitchFamily="2" charset="-122"/>
+                        </a:rPr>
+                        <a:t>45</a:t>
+                      </a:r>
+                      <a:endParaRPr lang="zh-CN" altLang="en-US" sz="2800" dirty="0">
+                        <a:latin typeface="宋体" panose="02010600030101010101" pitchFamily="2" charset="-122"/>
+                        <a:ea typeface="宋体" panose="02010600030101010101" pitchFamily="2" charset="-122"/>
+                      </a:endParaRPr>
+                    </a:p>
+                  </a:txBody>
+                  <a:tcPr/>
+                </a:tc>
+                <a:tc>
+                  <a:txBody>
+                    <a:bodyPr/>
+                    <a:lstStyle/>
+                    <a:p>
+                      <a:pPr algn="ctr"/>
+                      <a:r>
+                        <a:rPr lang="en-US" altLang="zh-CN" sz="2800" dirty="0" smtClean="0">
+                          <a:latin typeface="宋体" panose="02010600030101010101" pitchFamily="2" charset="-122"/>
+                          <a:ea typeface="宋体" panose="02010600030101010101" pitchFamily="2" charset="-122"/>
+                        </a:rPr>
+                        <a:t>47</a:t>
+                      </a:r>
+                      <a:endParaRPr lang="zh-CN" altLang="en-US" sz="2800" dirty="0">
+                        <a:latin typeface="宋体" panose="02010600030101010101" pitchFamily="2" charset="-122"/>
+                        <a:ea typeface="宋体" panose="02010600030101010101" pitchFamily="2" charset="-122"/>
+                      </a:endParaRPr>
+                    </a:p>
+                  </a:txBody>
+                  <a:tcPr/>
+                </a:tc>
+              </a:tr>
+              <a:tr h="370840">
+                <a:tc>
+                  <a:txBody>
+                    <a:bodyPr/>
+                    <a:lstStyle/>
+                    <a:p>
+                      <a:pPr algn="ctr"/>
+                      <a:r>
+                        <a:rPr lang="en-US" altLang="zh-CN" sz="2800" dirty="0" smtClean="0">
+                          <a:latin typeface="宋体" panose="02010600030101010101" pitchFamily="2" charset="-122"/>
+                          <a:ea typeface="宋体" panose="02010600030101010101" pitchFamily="2" charset="-122"/>
+                        </a:rPr>
+                        <a:t>53</a:t>
+                      </a:r>
+                      <a:endParaRPr lang="zh-CN" altLang="en-US" sz="2800" dirty="0">
+                        <a:latin typeface="宋体" panose="02010600030101010101" pitchFamily="2" charset="-122"/>
+                        <a:ea typeface="宋体" panose="02010600030101010101" pitchFamily="2" charset="-122"/>
+                      </a:endParaRPr>
+                    </a:p>
+                  </a:txBody>
+                  <a:tcPr/>
+                </a:tc>
+                <a:tc>
+                  <a:txBody>
+                    <a:bodyPr/>
+                    <a:lstStyle/>
+                    <a:p>
+                      <a:pPr algn="ctr"/>
+                      <a:r>
+                        <a:rPr lang="en-US" altLang="zh-CN" sz="2800" dirty="0" smtClean="0">
+                          <a:latin typeface="宋体" panose="02010600030101010101" pitchFamily="2" charset="-122"/>
+                          <a:ea typeface="宋体" panose="02010600030101010101" pitchFamily="2" charset="-122"/>
+                        </a:rPr>
+                        <a:t>59</a:t>
+                      </a:r>
+                      <a:endParaRPr lang="zh-CN" altLang="en-US" sz="2800" dirty="0">
+                        <a:latin typeface="宋体" panose="02010600030101010101" pitchFamily="2" charset="-122"/>
+                        <a:ea typeface="宋体" panose="02010600030101010101" pitchFamily="2" charset="-122"/>
+                      </a:endParaRPr>
+                    </a:p>
+                  </a:txBody>
+                  <a:tcPr/>
+                </a:tc>
+              </a:tr>
+              <a:tr h="370840">
+                <a:tc>
+                  <a:txBody>
+                    <a:bodyPr/>
+                    <a:lstStyle/>
+                    <a:p>
+                      <a:pPr algn="ctr"/>
+                      <a:r>
+                        <a:rPr lang="en-US" altLang="zh-CN" sz="2800" dirty="0" smtClean="0">
+                          <a:latin typeface="宋体" panose="02010600030101010101" pitchFamily="2" charset="-122"/>
+                          <a:ea typeface="宋体" panose="02010600030101010101" pitchFamily="2" charset="-122"/>
+                        </a:rPr>
+                        <a:t>50</a:t>
+                      </a:r>
+                      <a:endParaRPr lang="zh-CN" altLang="en-US" sz="2800" dirty="0">
+                        <a:latin typeface="宋体" panose="02010600030101010101" pitchFamily="2" charset="-122"/>
+                        <a:ea typeface="宋体" panose="02010600030101010101" pitchFamily="2" charset="-122"/>
+                      </a:endParaRPr>
+                    </a:p>
+                  </a:txBody>
+                  <a:tcPr/>
+                </a:tc>
+                <a:tc>
+                  <a:txBody>
+                    <a:bodyPr/>
+                    <a:lstStyle/>
+                    <a:p>
+                      <a:pPr algn="ctr"/>
+                      <a:r>
+                        <a:rPr lang="en-US" altLang="zh-CN" sz="2800" dirty="0" smtClean="0">
+                          <a:latin typeface="宋体" panose="02010600030101010101" pitchFamily="2" charset="-122"/>
+                          <a:ea typeface="宋体" panose="02010600030101010101" pitchFamily="2" charset="-122"/>
+                        </a:rPr>
+                        <a:t>63</a:t>
+                      </a:r>
+                      <a:endParaRPr lang="zh-CN" altLang="en-US" sz="2800" dirty="0">
+                        <a:latin typeface="宋体" panose="02010600030101010101" pitchFamily="2" charset="-122"/>
+                        <a:ea typeface="宋体" panose="02010600030101010101" pitchFamily="2" charset="-122"/>
+                      </a:endParaRPr>
+                    </a:p>
+                  </a:txBody>
+                  <a:tcPr/>
+                </a:tc>
+              </a:tr>
+              <a:tr h="370840">
+                <a:tc>
+                  <a:txBody>
+                    <a:bodyPr/>
+                    <a:lstStyle/>
+                    <a:p>
+                      <a:pPr algn="ctr"/>
+                      <a:r>
+                        <a:rPr lang="en-US" altLang="zh-CN" sz="2800" dirty="0" smtClean="0">
+                          <a:latin typeface="宋体" panose="02010600030101010101" pitchFamily="2" charset="-122"/>
+                          <a:ea typeface="宋体" panose="02010600030101010101" pitchFamily="2" charset="-122"/>
+                        </a:rPr>
+                        <a:t>65</a:t>
+                      </a:r>
+                      <a:endParaRPr lang="zh-CN" altLang="en-US" sz="2800" dirty="0">
+                        <a:latin typeface="宋体" panose="02010600030101010101" pitchFamily="2" charset="-122"/>
+                        <a:ea typeface="宋体" panose="02010600030101010101" pitchFamily="2" charset="-122"/>
+                      </a:endParaRPr>
+                    </a:p>
+                  </a:txBody>
+                  <a:tcPr/>
+                </a:tc>
+                <a:tc>
+                  <a:txBody>
+                    <a:bodyPr/>
+                    <a:lstStyle/>
+                    <a:p>
+                      <a:pPr algn="ctr"/>
+                      <a:r>
+                        <a:rPr lang="en-US" altLang="zh-CN" sz="2800" dirty="0" smtClean="0">
+                          <a:latin typeface="宋体" panose="02010600030101010101" pitchFamily="2" charset="-122"/>
+                          <a:ea typeface="宋体" panose="02010600030101010101" pitchFamily="2" charset="-122"/>
+                        </a:rPr>
+                        <a:t>60</a:t>
+                      </a:r>
+                      <a:endParaRPr lang="zh-CN" altLang="en-US" sz="2800" dirty="0">
+                        <a:latin typeface="宋体" panose="02010600030101010101" pitchFamily="2" charset="-122"/>
+                        <a:ea typeface="宋体" panose="02010600030101010101" pitchFamily="2" charset="-122"/>
+                      </a:endParaRPr>
+                    </a:p>
+                  </a:txBody>
+                  <a:tcPr/>
+                </a:tc>
+              </a:tr>
+              <a:tr h="370840">
+                <a:tc>
+                  <a:txBody>
+                    <a:bodyPr/>
+                    <a:lstStyle/>
+                    <a:p>
+                      <a:pPr algn="ctr"/>
+                      <a:r>
+                        <a:rPr lang="en-US" altLang="zh-CN" sz="2800" dirty="0" smtClean="0">
+                          <a:latin typeface="宋体" panose="02010600030101010101" pitchFamily="2" charset="-122"/>
+                          <a:ea typeface="宋体" panose="02010600030101010101" pitchFamily="2" charset="-122"/>
+                        </a:rPr>
+                        <a:t>73</a:t>
+                      </a:r>
+                      <a:endParaRPr lang="zh-CN" altLang="en-US" sz="2800" dirty="0">
+                        <a:latin typeface="宋体" panose="02010600030101010101" pitchFamily="2" charset="-122"/>
+                        <a:ea typeface="宋体" panose="02010600030101010101" pitchFamily="2" charset="-122"/>
+                      </a:endParaRPr>
+                    </a:p>
+                  </a:txBody>
+                  <a:tcPr/>
+                </a:tc>
+                <a:tc>
+                  <a:txBody>
+                    <a:bodyPr/>
+                    <a:lstStyle/>
+                    <a:p>
+                      <a:pPr algn="ctr"/>
+                      <a:r>
+                        <a:rPr lang="en-US" altLang="zh-CN" sz="2800" dirty="0" smtClean="0">
+                          <a:latin typeface="宋体" panose="02010600030101010101" pitchFamily="2" charset="-122"/>
+                          <a:ea typeface="宋体" panose="02010600030101010101" pitchFamily="2" charset="-122"/>
+                        </a:rPr>
+                        <a:t>79</a:t>
+                      </a:r>
+                      <a:endParaRPr lang="zh-CN" altLang="en-US" sz="2800" dirty="0">
+                        <a:latin typeface="宋体" panose="02010600030101010101" pitchFamily="2" charset="-122"/>
+                        <a:ea typeface="宋体" panose="02010600030101010101" pitchFamily="2" charset="-122"/>
+                      </a:endParaRPr>
+                    </a:p>
+                  </a:txBody>
+                  <a:tcPr/>
+                </a:tc>
+              </a:tr>
+              <a:tr h="370840">
+                <a:tc>
+                  <a:txBody>
+                    <a:bodyPr/>
+                    <a:lstStyle/>
+                    <a:p>
+                      <a:pPr algn="ctr"/>
+                      <a:r>
+                        <a:rPr lang="en-US" altLang="zh-CN" sz="2800" dirty="0" smtClean="0">
+                          <a:latin typeface="宋体" panose="02010600030101010101" pitchFamily="2" charset="-122"/>
+                          <a:ea typeface="宋体" panose="02010600030101010101" pitchFamily="2" charset="-122"/>
+                        </a:rPr>
+                        <a:t>68</a:t>
+                      </a:r>
+                      <a:endParaRPr lang="zh-CN" altLang="en-US" sz="2800" dirty="0">
+                        <a:latin typeface="宋体" panose="02010600030101010101" pitchFamily="2" charset="-122"/>
+                        <a:ea typeface="宋体" panose="02010600030101010101" pitchFamily="2" charset="-122"/>
+                      </a:endParaRPr>
+                    </a:p>
+                  </a:txBody>
+                  <a:tcPr/>
+                </a:tc>
+                <a:tc>
+                  <a:txBody>
+                    <a:bodyPr/>
+                    <a:lstStyle/>
+                    <a:p>
+                      <a:pPr algn="ctr"/>
+                      <a:r>
+                        <a:rPr lang="en-US" altLang="zh-CN" sz="2800" dirty="0" smtClean="0">
+                          <a:latin typeface="宋体" panose="02010600030101010101" pitchFamily="2" charset="-122"/>
+                          <a:ea typeface="宋体" panose="02010600030101010101" pitchFamily="2" charset="-122"/>
+                        </a:rPr>
+                        <a:t>75</a:t>
+                      </a:r>
+                      <a:endParaRPr lang="zh-CN" altLang="en-US" sz="2800" dirty="0">
+                        <a:latin typeface="宋体" panose="02010600030101010101" pitchFamily="2" charset="-122"/>
+                        <a:ea typeface="宋体" panose="02010600030101010101" pitchFamily="2" charset="-122"/>
+                      </a:endParaRPr>
+                    </a:p>
+                  </a:txBody>
+                  <a:tcPr/>
+                </a:tc>
+              </a:tr>
+              <a:tr h="370840">
+                <a:tc>
+                  <a:txBody>
+                    <a:bodyPr/>
+                    <a:lstStyle/>
+                    <a:p>
+                      <a:pPr algn="ctr"/>
+                      <a:r>
+                        <a:rPr lang="en-US" altLang="zh-CN" sz="2800" dirty="0" smtClean="0">
+                          <a:latin typeface="宋体" panose="02010600030101010101" pitchFamily="2" charset="-122"/>
+                          <a:ea typeface="宋体" panose="02010600030101010101" pitchFamily="2" charset="-122"/>
+                        </a:rPr>
+                        <a:t>52</a:t>
+                      </a:r>
+                      <a:endParaRPr lang="zh-CN" altLang="en-US" sz="2800" dirty="0">
+                        <a:latin typeface="宋体" panose="02010600030101010101" pitchFamily="2" charset="-122"/>
+                        <a:ea typeface="宋体" panose="02010600030101010101" pitchFamily="2" charset="-122"/>
+                      </a:endParaRPr>
+                    </a:p>
+                  </a:txBody>
+                  <a:tcPr/>
+                </a:tc>
+                <a:tc>
+                  <a:txBody>
+                    <a:bodyPr/>
+                    <a:lstStyle/>
+                    <a:p>
+                      <a:pPr algn="ctr"/>
+                      <a:r>
+                        <a:rPr lang="en-US" altLang="zh-CN" sz="2800" dirty="0" smtClean="0">
+                          <a:latin typeface="宋体" panose="02010600030101010101" pitchFamily="2" charset="-122"/>
+                          <a:ea typeface="宋体" panose="02010600030101010101" pitchFamily="2" charset="-122"/>
+                        </a:rPr>
+                        <a:t>60</a:t>
+                      </a:r>
+                      <a:endParaRPr lang="zh-CN" altLang="en-US" sz="2800" dirty="0">
+                        <a:latin typeface="宋体" panose="02010600030101010101" pitchFamily="2" charset="-122"/>
+                        <a:ea typeface="宋体" panose="02010600030101010101" pitchFamily="2" charset="-122"/>
+                      </a:endParaRPr>
+                    </a:p>
+                  </a:txBody>
+                  <a:tcPr/>
+                </a:tc>
+              </a:tr>
+              <a:tr h="370840">
+                <a:tc>
+                  <a:txBody>
+                    <a:bodyPr/>
+                    <a:lstStyle/>
+                    <a:p>
+                      <a:pPr algn="ctr"/>
+                      <a:r>
+                        <a:rPr lang="en-US" altLang="zh-CN" sz="2800" dirty="0" smtClean="0">
+                          <a:latin typeface="宋体" panose="02010600030101010101" pitchFamily="2" charset="-122"/>
+                          <a:ea typeface="宋体" panose="02010600030101010101" pitchFamily="2" charset="-122"/>
+                        </a:rPr>
+                        <a:t>49</a:t>
+                      </a:r>
+                      <a:endParaRPr lang="zh-CN" altLang="en-US" sz="2800" dirty="0">
+                        <a:latin typeface="宋体" panose="02010600030101010101" pitchFamily="2" charset="-122"/>
+                        <a:ea typeface="宋体" panose="02010600030101010101" pitchFamily="2" charset="-122"/>
+                      </a:endParaRPr>
+                    </a:p>
+                  </a:txBody>
+                  <a:tcPr/>
+                </a:tc>
+                <a:tc>
+                  <a:txBody>
+                    <a:bodyPr/>
+                    <a:lstStyle/>
+                    <a:p>
+                      <a:pPr algn="ctr"/>
+                      <a:r>
+                        <a:rPr lang="en-US" altLang="zh-CN" sz="2800" dirty="0" smtClean="0">
+                          <a:latin typeface="宋体" panose="02010600030101010101" pitchFamily="2" charset="-122"/>
+                          <a:ea typeface="宋体" panose="02010600030101010101" pitchFamily="2" charset="-122"/>
+                        </a:rPr>
+                        <a:t>80</a:t>
+                      </a:r>
+                      <a:endParaRPr lang="zh-CN" altLang="en-US" sz="2800" dirty="0">
+                        <a:latin typeface="宋体" panose="02010600030101010101" pitchFamily="2" charset="-122"/>
+                        <a:ea typeface="宋体" panose="02010600030101010101" pitchFamily="2" charset="-122"/>
+                      </a:endParaRPr>
+                    </a:p>
+                  </a:txBody>
+                  <a:tcPr/>
+                </a:tc>
+              </a:tr>
+            </a:tbl>
+          </a:graphicData>
+        </a:graphic>
+      </p:graphicFrame>
+      <p:sp>
+        <p:nvSpPr>
+          <p:cNvPr id="6" name="文本框 5"/>
+          <p:cNvSpPr txBox="1"/>
+          <p:nvPr/>
+        </p:nvSpPr>
+        <p:spPr>
+          <a:xfrm>
+            <a:off x="8241030" y="1730375"/>
+            <a:ext cx="3817620" cy="2677656"/>
+          </a:xfrm>
+          <a:prstGeom prst="rect">
+            <a:avLst/>
+          </a:prstGeom>
+          <a:noFill/>
+        </p:spPr>
+        <p:txBody>
+          <a:bodyPr wrap="square" rtlCol="0">
+            <a:spAutoFit/>
+          </a:bodyPr>
+          <a:lstStyle/>
+          <a:p>
+            <a:r>
+              <a:rPr lang="zh-CN" altLang="en-US" sz="2800" dirty="0" smtClean="0"/>
+              <a:t>表中是一从一个培训班里面随机抽取的</a:t>
+            </a:r>
+            <a:r>
+              <a:rPr lang="en-US" altLang="zh-CN" sz="2800" dirty="0" smtClean="0"/>
+              <a:t>8</a:t>
+            </a:r>
+            <a:r>
+              <a:rPr lang="zh-CN" altLang="en-US" sz="2800" dirty="0" smtClean="0"/>
+              <a:t>名学生学习前和学习后每分钟打字字数，请判断在</a:t>
+            </a:r>
+            <a:r>
+              <a:rPr lang="en-US" altLang="zh-CN" sz="2800" dirty="0" smtClean="0"/>
+              <a:t>0.05</a:t>
+            </a:r>
+            <a:r>
+              <a:rPr lang="zh-CN" altLang="en-US" sz="2800" dirty="0" smtClean="0"/>
+              <a:t>水平上该课程是否有效？</a:t>
+            </a:r>
+            <a:endParaRPr lang="zh-CN" altLang="en-US" sz="2800" dirty="0"/>
+          </a:p>
+        </p:txBody>
+      </p:sp>
+    </p:spTree>
+    <p:extLst>
+      <p:ext uri="{BB962C8B-B14F-4D97-AF65-F5344CB8AC3E}">
+        <p14:creationId xmlns:p14="http://schemas.microsoft.com/office/powerpoint/2010/main" val="489161671"/>
+      </p:ext>
+    </p:extLst>
+  </p:cSld>
+  <p:clrMapOvr>
+    <a:masterClrMapping/>
+  </p:clrMapOvr>
+</p:sld>
+</file>
+
+<file path=ppt/slides/slide16.xml><?xml version="1.0" encoding="utf-8"?>
 <p:sld xmlns:a="http://schemas.openxmlformats.org/drawingml/2006/main" xmlns:r="http://schemas.openxmlformats.org/officeDocument/2006/relationships" xmlns:p="http://schemas.openxmlformats.org/presentationml/2006/main">
   <p:cSld>
     <p:spTree>
